--- a/Blazor.pptx
+++ b/Blazor.pptx
@@ -11,7 +11,8 @@
     <p:sldId id="259" r:id="rId8"/>
     <p:sldId id="260" r:id="rId9"/>
     <p:sldId id="261" r:id="rId10"/>
-    <p:sldId id="262" r:id="rId11"/>
+    <p:sldId id="263" r:id="rId11"/>
+    <p:sldId id="262" r:id="rId12"/>
   </p:sldIdLst>
   <p:sldSz cx="12192000" cy="6858000"/>
   <p:notesSz cx="6858000" cy="9144000"/>
@@ -25877,6 +25878,155 @@
       </p:grpSpPr>
       <p:sp>
         <p:nvSpPr>
+          <p:cNvPr id="10" name="Title 9">
+            <a:extLst>
+              <a:ext uri="{FF2B5EF4-FFF2-40B4-BE49-F238E27FC236}">
+                <a16:creationId xmlns:a16="http://schemas.microsoft.com/office/drawing/2014/main" id="{A9D66F9F-905C-419A-A4BC-78B8A78DCB23}"/>
+              </a:ext>
+            </a:extLst>
+          </p:cNvPr>
+          <p:cNvSpPr>
+            <a:spLocks noGrp="1"/>
+          </p:cNvSpPr>
+          <p:nvPr>
+            <p:ph type="title"/>
+          </p:nvPr>
+        </p:nvSpPr>
+        <p:spPr/>
+        <p:txBody>
+          <a:bodyPr/>
+          <a:lstStyle/>
+          <a:p>
+            <a:r>
+              <a:rPr lang="hr-HR" dirty="0"/>
+              <a:t>Useful links</a:t>
+            </a:r>
+            <a:endParaRPr lang="en-US" dirty="0"/>
+          </a:p>
+        </p:txBody>
+      </p:sp>
+      <p:sp>
+        <p:nvSpPr>
+          <p:cNvPr id="3" name="Content Placeholder 2">
+            <a:extLst>
+              <a:ext uri="{FF2B5EF4-FFF2-40B4-BE49-F238E27FC236}">
+                <a16:creationId xmlns:a16="http://schemas.microsoft.com/office/drawing/2014/main" id="{EAE54D1F-43F9-4CC4-A440-4DA6EBBA1B8B}"/>
+              </a:ext>
+            </a:extLst>
+          </p:cNvPr>
+          <p:cNvSpPr>
+            <a:spLocks noGrp="1"/>
+          </p:cNvSpPr>
+          <p:nvPr>
+            <p:ph idx="1"/>
+          </p:nvPr>
+        </p:nvSpPr>
+        <p:spPr>
+          <a:xfrm>
+            <a:off x="1154954" y="3006171"/>
+            <a:ext cx="8825659" cy="3280833"/>
+          </a:xfrm>
+        </p:spPr>
+        <p:txBody>
+          <a:bodyPr>
+            <a:noAutofit/>
+          </a:bodyPr>
+          <a:lstStyle/>
+          <a:p>
+            <a:r>
+              <a:rPr lang="hr-HR" dirty="0">
+                <a:hlinkClick r:id="rId2"/>
+              </a:rPr>
+              <a:t>https://github.com/AdrienTorris/awesome-blazor</a:t>
+            </a:r>
+            <a:endParaRPr lang="hr-HR" dirty="0"/>
+          </a:p>
+          <a:p>
+            <a:r>
+              <a:rPr lang="hr-HR" dirty="0">
+                <a:hlinkClick r:id="rId3"/>
+              </a:rPr>
+              <a:t>https://blog.stevensanderson.com/</a:t>
+            </a:r>
+            <a:endParaRPr lang="hr-HR" dirty="0"/>
+          </a:p>
+          <a:p>
+            <a:r>
+              <a:rPr lang="hr-HR" dirty="0">
+                <a:hlinkClick r:id="rId4"/>
+              </a:rPr>
+              <a:t>https://gitter.im/aspnet/Blazor</a:t>
+            </a:r>
+            <a:endParaRPr lang="hr-HR" dirty="0"/>
+          </a:p>
+          <a:p>
+            <a:r>
+              <a:rPr lang="hr-HR" dirty="0">
+                <a:hlinkClick r:id="rId5"/>
+              </a:rPr>
+              <a:t>https://chrissainty.com/blazor/</a:t>
+            </a:r>
+            <a:endParaRPr lang="hr-HR" dirty="0"/>
+          </a:p>
+          <a:p>
+            <a:endParaRPr lang="hr-HR" dirty="0"/>
+          </a:p>
+          <a:p>
+            <a:endParaRPr lang="hr-HR" dirty="0"/>
+          </a:p>
+          <a:p>
+            <a:endParaRPr lang="hr-HR" dirty="0"/>
+          </a:p>
+          <a:p>
+            <a:r>
+              <a:rPr lang="hr-HR" dirty="0"/>
+              <a:t>Today’s demo: </a:t>
+            </a:r>
+            <a:r>
+              <a:rPr lang="hr-HR" dirty="0">
+                <a:hlinkClick r:id="rId6"/>
+              </a:rPr>
+              <a:t>https://github.com/partyelite/BlazorOverview</a:t>
+            </a:r>
+            <a:r>
+              <a:rPr lang="hr-HR" dirty="0"/>
+              <a:t> </a:t>
+            </a:r>
+          </a:p>
+        </p:txBody>
+      </p:sp>
+    </p:spTree>
+    <p:extLst>
+      <p:ext uri="{BB962C8B-B14F-4D97-AF65-F5344CB8AC3E}">
+        <p14:creationId xmlns:p14="http://schemas.microsoft.com/office/powerpoint/2010/main" val="3602634775"/>
+      </p:ext>
+    </p:extLst>
+  </p:cSld>
+  <p:clrMapOvr>
+    <a:masterClrMapping/>
+  </p:clrMapOvr>
+</p:sld>
+</file>
+
+<file path=ppt/slides/slide8.xml><?xml version="1.0" encoding="utf-8"?>
+<p:sld xmlns:a="http://schemas.openxmlformats.org/drawingml/2006/main" xmlns:r="http://schemas.openxmlformats.org/officeDocument/2006/relationships" xmlns:p="http://schemas.openxmlformats.org/presentationml/2006/main">
+  <p:cSld>
+    <p:spTree>
+      <p:nvGrpSpPr>
+        <p:cNvPr id="1" name=""/>
+        <p:cNvGrpSpPr/>
+        <p:nvPr/>
+      </p:nvGrpSpPr>
+      <p:grpSpPr>
+        <a:xfrm>
+          <a:off x="0" y="0"/>
+          <a:ext cx="0" cy="0"/>
+          <a:chOff x="0" y="0"/>
+          <a:chExt cx="0" cy="0"/>
+        </a:xfrm>
+      </p:grpSpPr>
+      <p:sp>
+        <p:nvSpPr>
           <p:cNvPr id="8" name="Title 7">
             <a:extLst>
               <a:ext uri="{FF2B5EF4-FFF2-40B4-BE49-F238E27FC236}">
@@ -26187,21 +26337,6 @@
 </file>
 
 <file path=customXml/item1.xml><?xml version="1.0" encoding="utf-8"?>
-<p:properties xmlns:p="http://schemas.microsoft.com/office/2006/metadata/properties" xmlns:xsi="http://www.w3.org/2001/XMLSchema-instance" xmlns:pc="http://schemas.microsoft.com/office/infopath/2007/PartnerControls">
-  <documentManagement/>
-</p:properties>
-</file>
-
-<file path=customXml/item2.xml><?xml version="1.0" encoding="utf-8"?>
-<?mso-contentType ?>
-<FormTemplates xmlns="http://schemas.microsoft.com/sharepoint/v3/contenttype/forms">
-  <Display>DocumentLibraryForm</Display>
-  <Edit>DocumentLibraryForm</Edit>
-  <New>DocumentLibraryForm</New>
-</FormTemplates>
-</file>
-
-<file path=customXml/item3.xml><?xml version="1.0" encoding="utf-8"?>
 <ct:contentTypeSchema xmlns:ct="http://schemas.microsoft.com/office/2006/metadata/contentType" xmlns:ma="http://schemas.microsoft.com/office/2006/metadata/properties/metaAttributes" ct:_="" ma:_="" ma:contentTypeName="Dokument" ma:contentTypeID="0x010100EEE4032AFAD42A4CB584A1EC5DFAC1E5" ma:contentTypeVersion="11" ma:contentTypeDescription="Stvaranje novog dokumenta." ma:contentTypeScope="" ma:versionID="5ace230c180291dd154caed54a19c69d">
   <xsd:schema xmlns:xsd="http://www.w3.org/2001/XMLSchema" xmlns:xs="http://www.w3.org/2001/XMLSchema" xmlns:p="http://schemas.microsoft.com/office/2006/metadata/properties" xmlns:ns3="16aa56bf-5a57-4310-8eaf-efa47fb0f72d" xmlns:ns4="837a58d3-9d5c-4887-8cb4-45613fa1201e" targetNamespace="http://schemas.microsoft.com/office/2006/metadata/properties" ma:root="true" ma:fieldsID="f66373b90c12e99a80682b5dc1a582c7" ns3:_="" ns4:_="">
     <xsd:import namespace="16aa56bf-5a57-4310-8eaf-efa47fb0f72d"/>
@@ -26410,32 +26545,22 @@
 </ct:contentTypeSchema>
 </file>
 
-<file path=customXml/itemProps1.xml><?xml version="1.0" encoding="utf-8"?>
-<ds:datastoreItem xmlns:ds="http://schemas.openxmlformats.org/officeDocument/2006/customXml" ds:itemID="{1A486C78-D49F-484B-A2D8-16980CD3DEAB}">
-  <ds:schemaRefs>
-    <ds:schemaRef ds:uri="http://schemas.microsoft.com/office/infopath/2007/PartnerControls"/>
-    <ds:schemaRef ds:uri="http://purl.org/dc/elements/1.1/"/>
-    <ds:schemaRef ds:uri="http://schemas.microsoft.com/office/2006/metadata/properties"/>
-    <ds:schemaRef ds:uri="http://purl.org/dc/terms/"/>
-    <ds:schemaRef ds:uri="16aa56bf-5a57-4310-8eaf-efa47fb0f72d"/>
-    <ds:schemaRef ds:uri="http://schemas.openxmlformats.org/package/2006/metadata/core-properties"/>
-    <ds:schemaRef ds:uri="http://schemas.microsoft.com/office/2006/documentManagement/types"/>
-    <ds:schemaRef ds:uri="837a58d3-9d5c-4887-8cb4-45613fa1201e"/>
-    <ds:schemaRef ds:uri="http://www.w3.org/XML/1998/namespace"/>
-    <ds:schemaRef ds:uri="http://purl.org/dc/dcmitype/"/>
-  </ds:schemaRefs>
-</ds:datastoreItem>
+<file path=customXml/item2.xml><?xml version="1.0" encoding="utf-8"?>
+<?mso-contentType ?>
+<FormTemplates xmlns="http://schemas.microsoft.com/sharepoint/v3/contenttype/forms">
+  <Display>DocumentLibraryForm</Display>
+  <Edit>DocumentLibraryForm</Edit>
+  <New>DocumentLibraryForm</New>
+</FormTemplates>
 </file>
 
-<file path=customXml/itemProps2.xml><?xml version="1.0" encoding="utf-8"?>
-<ds:datastoreItem xmlns:ds="http://schemas.openxmlformats.org/officeDocument/2006/customXml" ds:itemID="{248B083F-62EB-4F29-B01B-E128DCF6678A}">
-  <ds:schemaRefs>
-    <ds:schemaRef ds:uri="http://schemas.microsoft.com/sharepoint/v3/contenttype/forms"/>
-  </ds:schemaRefs>
-</ds:datastoreItem>
+<file path=customXml/item3.xml><?xml version="1.0" encoding="utf-8"?>
+<p:properties xmlns:p="http://schemas.microsoft.com/office/2006/metadata/properties" xmlns:xsi="http://www.w3.org/2001/XMLSchema-instance" xmlns:pc="http://schemas.microsoft.com/office/infopath/2007/PartnerControls">
+  <documentManagement/>
+</p:properties>
 </file>
 
-<file path=customXml/itemProps3.xml><?xml version="1.0" encoding="utf-8"?>
+<file path=customXml/itemProps1.xml><?xml version="1.0" encoding="utf-8"?>
 <ds:datastoreItem xmlns:ds="http://schemas.openxmlformats.org/officeDocument/2006/customXml" ds:itemID="{FA7E570E-1468-4A55-AC16-8DFE09D9F47B}">
   <ds:schemaRefs>
     <ds:schemaRef ds:uri="http://schemas.microsoft.com/office/2006/metadata/contentType"/>
@@ -26452,4 +26577,29 @@
     <ds:schemaRef ds:uri="http://schemas.microsoft.com/internal/obd"/>
   </ds:schemaRefs>
 </ds:datastoreItem>
+</file>
+
+<file path=customXml/itemProps2.xml><?xml version="1.0" encoding="utf-8"?>
+<ds:datastoreItem xmlns:ds="http://schemas.openxmlformats.org/officeDocument/2006/customXml" ds:itemID="{248B083F-62EB-4F29-B01B-E128DCF6678A}">
+  <ds:schemaRefs>
+    <ds:schemaRef ds:uri="http://schemas.microsoft.com/sharepoint/v3/contenttype/forms"/>
+  </ds:schemaRefs>
+</ds:datastoreItem>
+</file>
+
+<file path=customXml/itemProps3.xml><?xml version="1.0" encoding="utf-8"?>
+<ds:datastoreItem xmlns:ds="http://schemas.openxmlformats.org/officeDocument/2006/customXml" ds:itemID="{1A486C78-D49F-484B-A2D8-16980CD3DEAB}">
+  <ds:schemaRefs>
+    <ds:schemaRef ds:uri="http://schemas.microsoft.com/office/infopath/2007/PartnerControls"/>
+    <ds:schemaRef ds:uri="http://purl.org/dc/elements/1.1/"/>
+    <ds:schemaRef ds:uri="http://schemas.microsoft.com/office/2006/metadata/properties"/>
+    <ds:schemaRef ds:uri="http://purl.org/dc/terms/"/>
+    <ds:schemaRef ds:uri="16aa56bf-5a57-4310-8eaf-efa47fb0f72d"/>
+    <ds:schemaRef ds:uri="http://schemas.openxmlformats.org/package/2006/metadata/core-properties"/>
+    <ds:schemaRef ds:uri="http://schemas.microsoft.com/office/2006/documentManagement/types"/>
+    <ds:schemaRef ds:uri="837a58d3-9d5c-4887-8cb4-45613fa1201e"/>
+    <ds:schemaRef ds:uri="http://www.w3.org/XML/1998/namespace"/>
+    <ds:schemaRef ds:uri="http://purl.org/dc/dcmitype/"/>
+  </ds:schemaRefs>
+</ds:datastoreItem>
 </file>